--- a/L2 SQLite Python/L2 SQL.pptx
+++ b/L2 SQLite Python/L2 SQL.pptx
@@ -12898,7 +12898,7 @@
               <a:rPr lang="ru-RU" dirty="0">
                 <a:latin typeface="+mj-lt"/>
               </a:rPr>
-              <a:t>Работу с библиотекой </a:t>
+              <a:t>Изучить работу с реляционными базами данных с помощью библиотеки </a:t>
             </a:r>
             <a:r>
               <a:rPr lang="en-US" dirty="0">
@@ -12906,6 +12906,21 @@
               </a:rPr>
               <a:t>sqlite3</a:t>
             </a:r>
+            <a:r>
+              <a:rPr lang="ru-RU" dirty="0">
+                <a:latin typeface="+mj-lt"/>
+              </a:rPr>
+              <a:t> </a:t>
+            </a:r>
+            <a:r>
+              <a:rPr lang="en-US">
+                <a:latin typeface="+mj-lt"/>
+              </a:rPr>
+              <a:t>Python</a:t>
+            </a:r>
+            <a:endParaRPr lang="en-US" dirty="0">
+              <a:latin typeface="+mj-lt"/>
+            </a:endParaRPr>
           </a:p>
           <a:p>
             <a:pPr marL="0" indent="0">
